--- a/chapter-02/03-deployments/02_03_deployments.pptx
+++ b/chapter-02/03-deployments/02_03_deployments.pptx
@@ -260,7 +260,7 @@
           <a:p>
             <a:fld id="{7C2A2C10-8C9F-9B42-9862-A5B84F1CAB8B}" type="datetimeFigureOut">
               <a:rPr lang="en-US" smtClean="0"/>
-              <a:t>4/14/2023</a:t>
+              <a:t>4/16/2023</a:t>
             </a:fld>
             <a:endParaRPr lang="en-US"/>
           </a:p>
@@ -15480,7 +15480,15 @@
             </a:r>
             <a:r>
               <a:rPr lang="en-US" dirty="0"/>
-              <a:t>’ in the ‘chapter-02’ namespace that uses the nginx container image</a:t>
+              <a:t>’ in the ‘chapter-02’ namespace that uses the ‘</a:t>
+            </a:r>
+            <a:r>
+              <a:rPr lang="en-US" dirty="0" err="1"/>
+              <a:t>nginx</a:t>
+            </a:r>
+            <a:r>
+              <a:rPr lang="en-US" dirty="0"/>
+              <a:t>’ container image</a:t>
             </a:r>
           </a:p>
           <a:p>
